--- a/ppts/photonmapping/A Practical Guide to Global Illumination using Photon Maps.pptx
+++ b/ppts/photonmapping/A Practical Guide to Global Illumination using Photon Maps.pptx
@@ -5,23 +5,24 @@
     <p:sldMasterId id="2147483658" r:id="rId1"/>
   </p:sldMasterIdLst>
   <p:notesMasterIdLst>
-    <p:notesMasterId r:id="rId13"/>
+    <p:notesMasterId r:id="rId14"/>
   </p:notesMasterIdLst>
   <p:handoutMasterIdLst>
-    <p:handoutMasterId r:id="rId14"/>
+    <p:handoutMasterId r:id="rId15"/>
   </p:handoutMasterIdLst>
   <p:sldIdLst>
     <p:sldId id="717" r:id="rId2"/>
     <p:sldId id="714" r:id="rId3"/>
-    <p:sldId id="728" r:id="rId4"/>
-    <p:sldId id="727" r:id="rId5"/>
-    <p:sldId id="729" r:id="rId6"/>
-    <p:sldId id="730" r:id="rId7"/>
-    <p:sldId id="731" r:id="rId8"/>
-    <p:sldId id="732" r:id="rId9"/>
-    <p:sldId id="733" r:id="rId10"/>
-    <p:sldId id="735" r:id="rId11"/>
-    <p:sldId id="734" r:id="rId12"/>
+    <p:sldId id="736" r:id="rId4"/>
+    <p:sldId id="728" r:id="rId5"/>
+    <p:sldId id="727" r:id="rId6"/>
+    <p:sldId id="729" r:id="rId7"/>
+    <p:sldId id="730" r:id="rId8"/>
+    <p:sldId id="731" r:id="rId9"/>
+    <p:sldId id="732" r:id="rId10"/>
+    <p:sldId id="733" r:id="rId11"/>
+    <p:sldId id="735" r:id="rId12"/>
+    <p:sldId id="734" r:id="rId13"/>
   </p:sldIdLst>
   <p:sldSz cx="12192000" cy="6858000"/>
   <p:notesSz cx="6858000" cy="9144000"/>
@@ -2856,7 +2857,7 @@
           <a:p>
             <a:fld id="{116CA9A1-49A5-4813-BE73-64411D697E83}" type="datetimeFigureOut">
               <a:rPr kumimoji="1" lang="ja-JP" altLang="en-US" smtClean="0"/>
-              <a:t>2020/5/2</a:t>
+              <a:t>2020/5/8</a:t>
             </a:fld>
             <a:endParaRPr kumimoji="1" lang="ja-JP" altLang="en-US"/>
           </a:p>
@@ -3021,7 +3022,7 @@
           <a:p>
             <a:fld id="{BB218005-AB2E-4230-9CBF-EC876F8C3946}" type="datetimeFigureOut">
               <a:rPr kumimoji="1" lang="ja-JP" altLang="en-US" smtClean="0"/>
-              <a:t>2020/5/2</a:t>
+              <a:t>2020/5/8</a:t>
             </a:fld>
             <a:endParaRPr kumimoji="1" lang="ja-JP" altLang="en-US"/>
           </a:p>
@@ -6674,15 +6675,7 @@
             </a:br>
             <a:r>
               <a:rPr lang="en-US" altLang="ja-JP" dirty="0"/>
-              <a:t>JENSEN, H. W., et al</a:t>
-            </a:r>
-            <a:r>
-              <a:rPr lang="en-US" altLang="ja-JP"/>
-              <a:t>., 2004, </a:t>
-            </a:r>
-            <a:r>
-              <a:rPr lang="en-US" altLang="ja-JP" dirty="0"/>
-              <a:t>SIGGRAPH COURCE. </a:t>
+              <a:t>JENSEN, H. W., et al., 2004, SIGGRAPH COURCE. </a:t>
             </a:r>
             <a:endParaRPr kumimoji="1" lang="ja-JP" altLang="en-US" dirty="0"/>
           </a:p>
@@ -6888,6 +6881,204 @@
       </p:sp>
       <p:pic>
         <p:nvPicPr>
+          <p:cNvPr id="7" name="図 6">
+            <a:extLst>
+              <a:ext uri="{FF2B5EF4-FFF2-40B4-BE49-F238E27FC236}">
+                <a16:creationId xmlns:a16="http://schemas.microsoft.com/office/drawing/2014/main" id="{AD7CC497-E400-4BD4-8780-846D697715F3}"/>
+              </a:ext>
+            </a:extLst>
+          </p:cNvPr>
+          <p:cNvPicPr>
+            <a:picLocks noChangeAspect="1"/>
+          </p:cNvPicPr>
+          <p:nvPr/>
+        </p:nvPicPr>
+        <p:blipFill>
+          <a:blip r:embed="rId2"/>
+          <a:stretch>
+            <a:fillRect/>
+          </a:stretch>
+        </p:blipFill>
+        <p:spPr>
+          <a:xfrm>
+            <a:off x="1595500" y="1760701"/>
+            <a:ext cx="8573696" cy="4210638"/>
+          </a:xfrm>
+          <a:prstGeom prst="rect">
+            <a:avLst/>
+          </a:prstGeom>
+        </p:spPr>
+      </p:pic>
+    </p:spTree>
+    <p:extLst>
+      <p:ext uri="{BB962C8B-B14F-4D97-AF65-F5344CB8AC3E}">
+        <p14:creationId xmlns:p14="http://schemas.microsoft.com/office/powerpoint/2010/main" val="238066587"/>
+      </p:ext>
+    </p:extLst>
+  </p:cSld>
+  <p:clrMapOvr>
+    <a:masterClrMapping/>
+  </p:clrMapOvr>
+</p:sld>
+</file>
+
+<file path=ppt/slides/slide11.xml><?xml version="1.0" encoding="utf-8"?>
+<p:sld xmlns:a="http://schemas.openxmlformats.org/drawingml/2006/main" xmlns:r="http://schemas.openxmlformats.org/officeDocument/2006/relationships" xmlns:p="http://schemas.openxmlformats.org/presentationml/2006/main">
+  <p:cSld>
+    <p:spTree>
+      <p:nvGrpSpPr>
+        <p:cNvPr id="1" name=""/>
+        <p:cNvGrpSpPr/>
+        <p:nvPr/>
+      </p:nvGrpSpPr>
+      <p:grpSpPr>
+        <a:xfrm>
+          <a:off x="0" y="0"/>
+          <a:ext cx="0" cy="0"/>
+          <a:chOff x="0" y="0"/>
+          <a:chExt cx="0" cy="0"/>
+        </a:xfrm>
+      </p:grpSpPr>
+      <p:sp>
+        <p:nvSpPr>
+          <p:cNvPr id="4" name="タイトル 3"/>
+          <p:cNvSpPr>
+            <a:spLocks noGrp="1"/>
+          </p:cNvSpPr>
+          <p:nvPr>
+            <p:ph type="title"/>
+          </p:nvPr>
+        </p:nvSpPr>
+        <p:spPr/>
+        <p:txBody>
+          <a:bodyPr/>
+          <a:lstStyle/>
+          <a:p>
+            <a:pPr>
+              <a:lnSpc>
+                <a:spcPct val="130000"/>
+              </a:lnSpc>
+              <a:spcAft>
+                <a:spcPts val="1477"/>
+              </a:spcAft>
+            </a:pPr>
+            <a:r>
+              <a:rPr lang="en-US" altLang="ja-JP" sz="1800" b="1" dirty="0">
+                <a:latin typeface="+mn-ea"/>
+              </a:rPr>
+              <a:t>Photon Maps</a:t>
+            </a:r>
+          </a:p>
+        </p:txBody>
+      </p:sp>
+      <p:sp>
+        <p:nvSpPr>
+          <p:cNvPr id="2" name="スライド番号プレースホルダー 1"/>
+          <p:cNvSpPr>
+            <a:spLocks noGrp="1"/>
+          </p:cNvSpPr>
+          <p:nvPr>
+            <p:ph type="sldNum" sz="quarter" idx="4"/>
+          </p:nvPr>
+        </p:nvSpPr>
+        <p:spPr/>
+        <p:txBody>
+          <a:bodyPr/>
+          <a:lstStyle/>
+          <a:p>
+            <a:fld id="{FB3508C7-2FE0-4945-9CBD-863E05F850D2}" type="slidenum">
+              <a:rPr lang="ja-JP" altLang="en-US" smtClean="0"/>
+              <a:pPr/>
+              <a:t>10</a:t>
+            </a:fld>
+            <a:endParaRPr lang="ja-JP" altLang="en-US" dirty="0"/>
+          </a:p>
+        </p:txBody>
+      </p:sp>
+      <p:sp>
+        <p:nvSpPr>
+          <p:cNvPr id="15" name="AutoShape 3"/>
+          <p:cNvSpPr>
+            <a:spLocks noChangeArrowheads="1"/>
+          </p:cNvSpPr>
+          <p:nvPr/>
+        </p:nvSpPr>
+        <p:spPr bwMode="auto">
+          <a:xfrm>
+            <a:off x="997444" y="7183360"/>
+            <a:ext cx="10194186" cy="197105"/>
+          </a:xfrm>
+          <a:prstGeom prst="roundRect">
+            <a:avLst>
+              <a:gd name="adj" fmla="val 0"/>
+            </a:avLst>
+          </a:prstGeom>
+          <a:noFill/>
+          <a:ln>
+            <a:noFill/>
+          </a:ln>
+          <a:effectLst/>
+          <a:extLst>
+            <a:ext uri="{909E8E84-426E-40DD-AFC4-6F175D3DCCD1}">
+              <a14:hiddenFill xmlns:a14="http://schemas.microsoft.com/office/drawing/2010/main">
+                <a:solidFill>
+                  <a:schemeClr val="accent1"/>
+                </a:solidFill>
+              </a14:hiddenFill>
+            </a:ext>
+            <a:ext uri="{91240B29-F687-4F45-9708-019B960494DF}">
+              <a14:hiddenLine xmlns:a14="http://schemas.microsoft.com/office/drawing/2010/main" w="9525">
+                <a:solidFill>
+                  <a:schemeClr val="tx1"/>
+                </a:solidFill>
+                <a:round/>
+                <a:headEnd/>
+                <a:tailEnd/>
+              </a14:hiddenLine>
+            </a:ext>
+            <a:ext uri="{AF507438-7753-43E0-B8FC-AC1667EBCBE1}">
+              <a14:hiddenEffects xmlns:a14="http://schemas.microsoft.com/office/drawing/2010/main">
+                <a:effectLst>
+                  <a:outerShdw dist="35921" dir="2700000" algn="ctr" rotWithShape="0">
+                    <a:schemeClr val="bg2"/>
+                  </a:outerShdw>
+                </a:effectLst>
+              </a14:hiddenEffects>
+            </a:ext>
+          </a:extLst>
+        </p:spPr>
+        <p:txBody>
+          <a:bodyPr wrap="square" lIns="0" tIns="0" rIns="0" bIns="0" anchor="ctr" anchorCtr="0">
+            <a:spAutoFit/>
+          </a:bodyPr>
+          <a:lstStyle/>
+          <a:p>
+            <a:pPr algn="r">
+              <a:lnSpc>
+                <a:spcPct val="140000"/>
+              </a:lnSpc>
+              <a:spcBef>
+                <a:spcPct val="0"/>
+              </a:spcBef>
+            </a:pPr>
+            <a:r>
+              <a:rPr lang="ja-JP" altLang="en-US" sz="985" dirty="0">
+                <a:latin typeface="メイリオ" pitchFamily="50" charset="-128"/>
+                <a:ea typeface="メイリオ" pitchFamily="50" charset="-128"/>
+                <a:cs typeface="メイリオ" pitchFamily="50" charset="-128"/>
+              </a:rPr>
+              <a:t>　</a:t>
+            </a:r>
+            <a:endParaRPr lang="en-US" altLang="ja-JP" sz="985" dirty="0">
+              <a:latin typeface="メイリオ" pitchFamily="50" charset="-128"/>
+              <a:ea typeface="メイリオ" pitchFamily="50" charset="-128"/>
+              <a:cs typeface="メイリオ" pitchFamily="50" charset="-128"/>
+            </a:endParaRPr>
+          </a:p>
+        </p:txBody>
+      </p:sp>
+      <p:pic>
+        <p:nvPicPr>
           <p:cNvPr id="5" name="図 4">
             <a:extLst>
               <a:ext uri="{FF2B5EF4-FFF2-40B4-BE49-F238E27FC236}">
@@ -6929,7 +7120,7 @@
 </p:sld>
 </file>
 
-<file path=ppt/slides/slide11.xml><?xml version="1.0" encoding="utf-8"?>
+<file path=ppt/slides/slide12.xml><?xml version="1.0" encoding="utf-8"?>
 <p:sld xmlns:a="http://schemas.openxmlformats.org/drawingml/2006/main" xmlns:r="http://schemas.openxmlformats.org/officeDocument/2006/relationships" xmlns:p="http://schemas.openxmlformats.org/presentationml/2006/main">
   <p:cSld>
     <p:spTree>
@@ -6996,7 +7187,7 @@
             <a:fld id="{FB3508C7-2FE0-4945-9CBD-863E05F850D2}" type="slidenum">
               <a:rPr lang="ja-JP" altLang="en-US" smtClean="0"/>
               <a:pPr/>
-              <a:t>10</a:t>
+              <a:t>11</a:t>
             </a:fld>
             <a:endParaRPr lang="ja-JP" altLang="en-US" dirty="0"/>
           </a:p>
@@ -7382,7 +7573,7 @@
               <a:rPr lang="en-US" altLang="ja-JP" sz="1800" b="1" dirty="0">
                 <a:latin typeface="+mn-ea"/>
               </a:rPr>
-              <a:t>Robust Adaptive Photon Tracing using Photon Path Visibility</a:t>
+              <a:t>Photon Map</a:t>
             </a:r>
           </a:p>
         </p:txBody>
@@ -7721,6 +7912,47 @@
           </a:p>
         </p:txBody>
       </p:sp>
+      <p:sp>
+        <p:nvSpPr>
+          <p:cNvPr id="7" name="正方形/長方形 6">
+            <a:extLst>
+              <a:ext uri="{FF2B5EF4-FFF2-40B4-BE49-F238E27FC236}">
+                <a16:creationId xmlns:a16="http://schemas.microsoft.com/office/drawing/2014/main" id="{DC97A66F-3D33-42A1-859B-A982C89E8101}"/>
+              </a:ext>
+            </a:extLst>
+          </p:cNvPr>
+          <p:cNvSpPr/>
+          <p:nvPr/>
+        </p:nvSpPr>
+        <p:spPr>
+          <a:xfrm>
+            <a:off x="4419151" y="2531688"/>
+            <a:ext cx="1107996" cy="646331"/>
+          </a:xfrm>
+          <a:prstGeom prst="rect">
+            <a:avLst/>
+          </a:prstGeom>
+        </p:spPr>
+        <p:txBody>
+          <a:bodyPr wrap="none">
+            <a:spAutoFit/>
+          </a:bodyPr>
+          <a:lstStyle/>
+          <a:p>
+            <a:r>
+              <a:rPr lang="en-US" altLang="ja-JP" dirty="0"/>
+              <a:t>500000</a:t>
+            </a:r>
+          </a:p>
+          <a:p>
+            <a:r>
+              <a:rPr lang="ja-JP" altLang="en-US" dirty="0"/>
+              <a:t>フォトン</a:t>
+            </a:r>
+            <a:endParaRPr lang="en-US" altLang="ja-JP" dirty="0"/>
+          </a:p>
+        </p:txBody>
+      </p:sp>
     </p:spTree>
     <p:extLst>
       <p:ext uri="{BB962C8B-B14F-4D97-AF65-F5344CB8AC3E}">
@@ -7778,7 +8010,7 @@
               <a:rPr lang="en-US" altLang="ja-JP" sz="1800" b="1" dirty="0">
                 <a:latin typeface="+mn-ea"/>
               </a:rPr>
-              <a:t>Photon Maps</a:t>
+              <a:t>Photon Map</a:t>
             </a:r>
           </a:p>
         </p:txBody>
@@ -7889,75 +8121,263 @@
           </a:p>
         </p:txBody>
       </p:sp>
-      <p:sp>
-        <p:nvSpPr>
-          <p:cNvPr id="6" name="正方形/長方形 5">
+      <p:pic>
+        <p:nvPicPr>
+          <p:cNvPr id="6" name="図 5" descr="屋内, 座る, テーブル, 小さい が含まれている画像&#10;&#10;自動的に生成された説明">
             <a:extLst>
               <a:ext uri="{FF2B5EF4-FFF2-40B4-BE49-F238E27FC236}">
-                <a16:creationId xmlns:a16="http://schemas.microsoft.com/office/drawing/2014/main" id="{6258E65D-BCAB-4D83-B6F4-14A625C9DE5F}"/>
+                <a16:creationId xmlns:a16="http://schemas.microsoft.com/office/drawing/2014/main" id="{328E56A2-DAE0-4D78-8208-9BDFF8856AFA}"/>
               </a:ext>
             </a:extLst>
           </p:cNvPr>
-          <p:cNvSpPr/>
+          <p:cNvPicPr>
+            <a:picLocks noChangeAspect="1"/>
+          </p:cNvPicPr>
           <p:nvPr/>
-        </p:nvSpPr>
+        </p:nvPicPr>
+        <p:blipFill>
+          <a:blip r:embed="rId2"/>
+          <a:stretch>
+            <a:fillRect/>
+          </a:stretch>
+        </p:blipFill>
         <p:spPr>
           <a:xfrm>
-            <a:off x="803412" y="1196752"/>
-            <a:ext cx="8340588" cy="2308324"/>
+            <a:off x="939143" y="993635"/>
+            <a:ext cx="3375182" cy="2531386"/>
           </a:xfrm>
           <a:prstGeom prst="rect">
             <a:avLst/>
           </a:prstGeom>
         </p:spPr>
+      </p:pic>
+      <p:pic>
+        <p:nvPicPr>
+          <p:cNvPr id="10" name="図 9" descr="屋内, グリーン, 小さい, 座る が含まれている画像&#10;&#10;自動的に生成された説明">
+            <a:extLst>
+              <a:ext uri="{FF2B5EF4-FFF2-40B4-BE49-F238E27FC236}">
+                <a16:creationId xmlns:a16="http://schemas.microsoft.com/office/drawing/2014/main" id="{22B3BEBA-576A-40D0-ADCB-B7EEB34E1674}"/>
+              </a:ext>
+            </a:extLst>
+          </p:cNvPr>
+          <p:cNvPicPr>
+            <a:picLocks noChangeAspect="1"/>
+          </p:cNvPicPr>
+          <p:nvPr/>
+        </p:nvPicPr>
+        <p:blipFill>
+          <a:blip r:embed="rId3"/>
+          <a:stretch>
+            <a:fillRect/>
+          </a:stretch>
+        </p:blipFill>
+        <p:spPr>
+          <a:xfrm>
+            <a:off x="939143" y="3845442"/>
+            <a:ext cx="3375183" cy="2531387"/>
+          </a:xfrm>
+          <a:prstGeom prst="rect">
+            <a:avLst/>
+          </a:prstGeom>
+        </p:spPr>
+      </p:pic>
+      <p:sp>
+        <p:nvSpPr>
+          <p:cNvPr id="11" name="テキスト ボックス 10">
+            <a:extLst>
+              <a:ext uri="{FF2B5EF4-FFF2-40B4-BE49-F238E27FC236}">
+                <a16:creationId xmlns:a16="http://schemas.microsoft.com/office/drawing/2014/main" id="{75020D0D-AEF8-4F2E-8B41-7557F893DFEB}"/>
+              </a:ext>
+            </a:extLst>
+          </p:cNvPr>
+          <p:cNvSpPr txBox="1"/>
+          <p:nvPr/>
+        </p:nvSpPr>
+        <p:spPr>
+          <a:xfrm>
+            <a:off x="5637362" y="3234905"/>
+            <a:ext cx="65" cy="276999"/>
+          </a:xfrm>
+          <a:prstGeom prst="rect">
+            <a:avLst/>
+          </a:prstGeom>
+          <a:noFill/>
+        </p:spPr>
         <p:txBody>
-          <a:bodyPr wrap="square">
+          <a:bodyPr wrap="none" lIns="0" tIns="0" rIns="0" bIns="0" rtlCol="0">
             <a:spAutoFit/>
           </a:bodyPr>
           <a:lstStyle/>
           <a:p>
-            <a:r>
-              <a:rPr lang="ja-JP" altLang="en-US" dirty="0"/>
-              <a:t>フォトンと表面の相互作用で蓄えられる情報</a:t>
-            </a:r>
-            <a:endParaRPr lang="en-US" altLang="ja-JP" dirty="0"/>
-          </a:p>
-          <a:p>
-            <a:r>
-              <a:rPr lang="ja-JP" altLang="en-US" dirty="0"/>
-              <a:t>the position</a:t>
-            </a:r>
-            <a:endParaRPr lang="en-US" altLang="ja-JP" dirty="0"/>
-          </a:p>
-          <a:p>
-            <a:r>
-              <a:rPr lang="ja-JP" altLang="en-US" dirty="0"/>
-              <a:t>incoming photon power</a:t>
-            </a:r>
-            <a:endParaRPr lang="en-US" altLang="ja-JP" dirty="0"/>
-          </a:p>
-          <a:p>
-            <a:r>
-              <a:rPr lang="ja-JP" altLang="en-US" dirty="0"/>
-              <a:t>incident direction</a:t>
-            </a:r>
-            <a:endParaRPr lang="en-US" altLang="ja-JP" dirty="0"/>
-          </a:p>
-          <a:p>
-            <a:endParaRPr lang="en-US" altLang="ja-JP" dirty="0"/>
-          </a:p>
-          <a:p>
-            <a:r>
-              <a:rPr lang="ja-JP" altLang="en-US" dirty="0"/>
-              <a:t>For practical reasons, there is also space reserved for a flag with each set of photon data. The flag is used during sorting and look-up in the photon map. More on this in the following.) As</a:t>
-            </a:r>
+            <a:endParaRPr kumimoji="1" lang="ja-JP" altLang="en-US" dirty="0"/>
           </a:p>
         </p:txBody>
       </p:sp>
+      <p:sp>
+        <p:nvSpPr>
+          <p:cNvPr id="12" name="テキスト ボックス 11">
+            <a:extLst>
+              <a:ext uri="{FF2B5EF4-FFF2-40B4-BE49-F238E27FC236}">
+                <a16:creationId xmlns:a16="http://schemas.microsoft.com/office/drawing/2014/main" id="{49E849D9-4997-4BB4-AF80-2724B6D19665}"/>
+              </a:ext>
+            </a:extLst>
+          </p:cNvPr>
+          <p:cNvSpPr txBox="1"/>
+          <p:nvPr/>
+        </p:nvSpPr>
+        <p:spPr>
+          <a:xfrm>
+            <a:off x="4602380" y="2201680"/>
+            <a:ext cx="514885" cy="369332"/>
+          </a:xfrm>
+          <a:prstGeom prst="rect">
+            <a:avLst/>
+          </a:prstGeom>
+          <a:noFill/>
+        </p:spPr>
+        <p:txBody>
+          <a:bodyPr wrap="none" rtlCol="0">
+            <a:spAutoFit/>
+          </a:bodyPr>
+          <a:lstStyle/>
+          <a:p>
+            <a:r>
+              <a:rPr kumimoji="1" lang="en-US" altLang="ja-JP" dirty="0"/>
+              <a:t>PM</a:t>
+            </a:r>
+            <a:endParaRPr kumimoji="1" lang="ja-JP" altLang="en-US" dirty="0"/>
+          </a:p>
+        </p:txBody>
+      </p:sp>
+      <p:sp>
+        <p:nvSpPr>
+          <p:cNvPr id="13" name="テキスト ボックス 12">
+            <a:extLst>
+              <a:ext uri="{FF2B5EF4-FFF2-40B4-BE49-F238E27FC236}">
+                <a16:creationId xmlns:a16="http://schemas.microsoft.com/office/drawing/2014/main" id="{A664DB1B-EDCB-480A-A442-269BE9625B1E}"/>
+              </a:ext>
+            </a:extLst>
+          </p:cNvPr>
+          <p:cNvSpPr txBox="1"/>
+          <p:nvPr/>
+        </p:nvSpPr>
+        <p:spPr>
+          <a:xfrm>
+            <a:off x="4689209" y="4841058"/>
+            <a:ext cx="498406" cy="369332"/>
+          </a:xfrm>
+          <a:prstGeom prst="rect">
+            <a:avLst/>
+          </a:prstGeom>
+          <a:noFill/>
+        </p:spPr>
+        <p:txBody>
+          <a:bodyPr wrap="none" rtlCol="0">
+            <a:spAutoFit/>
+          </a:bodyPr>
+          <a:lstStyle/>
+          <a:p>
+            <a:r>
+              <a:rPr kumimoji="1" lang="en-US" altLang="ja-JP" dirty="0"/>
+              <a:t>GT</a:t>
+            </a:r>
+            <a:endParaRPr kumimoji="1" lang="ja-JP" altLang="en-US" dirty="0"/>
+          </a:p>
+        </p:txBody>
+      </p:sp>
+      <p:sp>
+        <p:nvSpPr>
+          <p:cNvPr id="16" name="テキスト ボックス 15">
+            <a:extLst>
+              <a:ext uri="{FF2B5EF4-FFF2-40B4-BE49-F238E27FC236}">
+                <a16:creationId xmlns:a16="http://schemas.microsoft.com/office/drawing/2014/main" id="{46602E46-7264-4001-90A6-BC41EEECE2FC}"/>
+              </a:ext>
+            </a:extLst>
+          </p:cNvPr>
+          <p:cNvSpPr txBox="1"/>
+          <p:nvPr/>
+        </p:nvSpPr>
+        <p:spPr>
+          <a:xfrm>
+            <a:off x="7481624" y="993635"/>
+            <a:ext cx="2262158" cy="646331"/>
+          </a:xfrm>
+          <a:prstGeom prst="rect">
+            <a:avLst/>
+          </a:prstGeom>
+          <a:noFill/>
+        </p:spPr>
+        <p:txBody>
+          <a:bodyPr wrap="none" rtlCol="0">
+            <a:spAutoFit/>
+          </a:bodyPr>
+          <a:lstStyle/>
+          <a:p>
+            <a:r>
+              <a:rPr kumimoji="1" lang="en-US" altLang="ja-JP" dirty="0"/>
+              <a:t>10PM</a:t>
+            </a:r>
+            <a:r>
+              <a:rPr lang="ja-JP" altLang="en-US" dirty="0"/>
+              <a:t>を作り</a:t>
+            </a:r>
+            <a:r>
+              <a:rPr kumimoji="1" lang="ja-JP" altLang="en-US" dirty="0"/>
+              <a:t>平均化</a:t>
+            </a:r>
+            <a:endParaRPr kumimoji="1" lang="en-US" altLang="ja-JP" dirty="0"/>
+          </a:p>
+          <a:p>
+            <a:r>
+              <a:rPr lang="en-US" altLang="ja-JP" dirty="0"/>
+              <a:t>50000</a:t>
+            </a:r>
+            <a:r>
+              <a:rPr lang="ja-JP" altLang="en-US" dirty="0"/>
+              <a:t>フォトン</a:t>
+            </a:r>
+            <a:r>
+              <a:rPr lang="en-US" altLang="ja-JP" dirty="0"/>
+              <a:t>X10</a:t>
+            </a:r>
+            <a:endParaRPr kumimoji="1" lang="ja-JP" altLang="en-US" dirty="0"/>
+          </a:p>
+        </p:txBody>
+      </p:sp>
+      <p:pic>
+        <p:nvPicPr>
+          <p:cNvPr id="5" name="図 4" descr="屋内, グリーン, テーブル, 小さい が含まれている画像&#10;&#10;自動的に生成された説明">
+            <a:extLst>
+              <a:ext uri="{FF2B5EF4-FFF2-40B4-BE49-F238E27FC236}">
+                <a16:creationId xmlns:a16="http://schemas.microsoft.com/office/drawing/2014/main" id="{E076F133-53F1-45A5-B081-9B5DF944C857}"/>
+              </a:ext>
+            </a:extLst>
+          </p:cNvPr>
+          <p:cNvPicPr>
+            <a:picLocks noChangeAspect="1"/>
+          </p:cNvPicPr>
+          <p:nvPr/>
+        </p:nvPicPr>
+        <p:blipFill>
+          <a:blip r:embed="rId4"/>
+          <a:stretch>
+            <a:fillRect/>
+          </a:stretch>
+        </p:blipFill>
+        <p:spPr>
+          <a:xfrm>
+            <a:off x="5564703" y="1699031"/>
+            <a:ext cx="6096000" cy="4572000"/>
+          </a:xfrm>
+          <a:prstGeom prst="rect">
+            <a:avLst/>
+          </a:prstGeom>
+        </p:spPr>
+      </p:pic>
     </p:spTree>
     <p:extLst>
       <p:ext uri="{BB962C8B-B14F-4D97-AF65-F5344CB8AC3E}">
-        <p14:creationId xmlns:p14="http://schemas.microsoft.com/office/powerpoint/2010/main" val="3231055538"/>
+        <p14:creationId xmlns:p14="http://schemas.microsoft.com/office/powerpoint/2010/main" val="463941126"/>
       </p:ext>
     </p:extLst>
   </p:cSld>
@@ -8035,6 +8455,239 @@
               <a:rPr lang="ja-JP" altLang="en-US" smtClean="0"/>
               <a:pPr/>
               <a:t>3</a:t>
+            </a:fld>
+            <a:endParaRPr lang="ja-JP" altLang="en-US" dirty="0"/>
+          </a:p>
+        </p:txBody>
+      </p:sp>
+      <p:sp>
+        <p:nvSpPr>
+          <p:cNvPr id="15" name="AutoShape 3"/>
+          <p:cNvSpPr>
+            <a:spLocks noChangeArrowheads="1"/>
+          </p:cNvSpPr>
+          <p:nvPr/>
+        </p:nvSpPr>
+        <p:spPr bwMode="auto">
+          <a:xfrm>
+            <a:off x="997444" y="7183360"/>
+            <a:ext cx="10194186" cy="197105"/>
+          </a:xfrm>
+          <a:prstGeom prst="roundRect">
+            <a:avLst>
+              <a:gd name="adj" fmla="val 0"/>
+            </a:avLst>
+          </a:prstGeom>
+          <a:noFill/>
+          <a:ln>
+            <a:noFill/>
+          </a:ln>
+          <a:effectLst/>
+          <a:extLst>
+            <a:ext uri="{909E8E84-426E-40DD-AFC4-6F175D3DCCD1}">
+              <a14:hiddenFill xmlns:a14="http://schemas.microsoft.com/office/drawing/2010/main">
+                <a:solidFill>
+                  <a:schemeClr val="accent1"/>
+                </a:solidFill>
+              </a14:hiddenFill>
+            </a:ext>
+            <a:ext uri="{91240B29-F687-4F45-9708-019B960494DF}">
+              <a14:hiddenLine xmlns:a14="http://schemas.microsoft.com/office/drawing/2010/main" w="9525">
+                <a:solidFill>
+                  <a:schemeClr val="tx1"/>
+                </a:solidFill>
+                <a:round/>
+                <a:headEnd/>
+                <a:tailEnd/>
+              </a14:hiddenLine>
+            </a:ext>
+            <a:ext uri="{AF507438-7753-43E0-B8FC-AC1667EBCBE1}">
+              <a14:hiddenEffects xmlns:a14="http://schemas.microsoft.com/office/drawing/2010/main">
+                <a:effectLst>
+                  <a:outerShdw dist="35921" dir="2700000" algn="ctr" rotWithShape="0">
+                    <a:schemeClr val="bg2"/>
+                  </a:outerShdw>
+                </a:effectLst>
+              </a14:hiddenEffects>
+            </a:ext>
+          </a:extLst>
+        </p:spPr>
+        <p:txBody>
+          <a:bodyPr wrap="square" lIns="0" tIns="0" rIns="0" bIns="0" anchor="ctr" anchorCtr="0">
+            <a:spAutoFit/>
+          </a:bodyPr>
+          <a:lstStyle/>
+          <a:p>
+            <a:pPr algn="r">
+              <a:lnSpc>
+                <a:spcPct val="140000"/>
+              </a:lnSpc>
+              <a:spcBef>
+                <a:spcPct val="0"/>
+              </a:spcBef>
+            </a:pPr>
+            <a:r>
+              <a:rPr lang="ja-JP" altLang="en-US" sz="985" dirty="0">
+                <a:latin typeface="メイリオ" pitchFamily="50" charset="-128"/>
+                <a:ea typeface="メイリオ" pitchFamily="50" charset="-128"/>
+                <a:cs typeface="メイリオ" pitchFamily="50" charset="-128"/>
+              </a:rPr>
+              <a:t>　</a:t>
+            </a:r>
+            <a:endParaRPr lang="en-US" altLang="ja-JP" sz="985" dirty="0">
+              <a:latin typeface="メイリオ" pitchFamily="50" charset="-128"/>
+              <a:ea typeface="メイリオ" pitchFamily="50" charset="-128"/>
+              <a:cs typeface="メイリオ" pitchFamily="50" charset="-128"/>
+            </a:endParaRPr>
+          </a:p>
+        </p:txBody>
+      </p:sp>
+      <p:sp>
+        <p:nvSpPr>
+          <p:cNvPr id="6" name="正方形/長方形 5">
+            <a:extLst>
+              <a:ext uri="{FF2B5EF4-FFF2-40B4-BE49-F238E27FC236}">
+                <a16:creationId xmlns:a16="http://schemas.microsoft.com/office/drawing/2014/main" id="{6258E65D-BCAB-4D83-B6F4-14A625C9DE5F}"/>
+              </a:ext>
+            </a:extLst>
+          </p:cNvPr>
+          <p:cNvSpPr/>
+          <p:nvPr/>
+        </p:nvSpPr>
+        <p:spPr>
+          <a:xfrm>
+            <a:off x="803412" y="1196752"/>
+            <a:ext cx="8340588" cy="2308324"/>
+          </a:xfrm>
+          <a:prstGeom prst="rect">
+            <a:avLst/>
+          </a:prstGeom>
+        </p:spPr>
+        <p:txBody>
+          <a:bodyPr wrap="square">
+            <a:spAutoFit/>
+          </a:bodyPr>
+          <a:lstStyle/>
+          <a:p>
+            <a:r>
+              <a:rPr lang="ja-JP" altLang="en-US" dirty="0"/>
+              <a:t>フォトンと表面の相互作用で蓄えられる情報</a:t>
+            </a:r>
+            <a:endParaRPr lang="en-US" altLang="ja-JP" dirty="0"/>
+          </a:p>
+          <a:p>
+            <a:r>
+              <a:rPr lang="ja-JP" altLang="en-US" dirty="0"/>
+              <a:t>the position</a:t>
+            </a:r>
+            <a:endParaRPr lang="en-US" altLang="ja-JP" dirty="0"/>
+          </a:p>
+          <a:p>
+            <a:r>
+              <a:rPr lang="ja-JP" altLang="en-US" dirty="0"/>
+              <a:t>incoming photon power</a:t>
+            </a:r>
+            <a:endParaRPr lang="en-US" altLang="ja-JP" dirty="0"/>
+          </a:p>
+          <a:p>
+            <a:r>
+              <a:rPr lang="ja-JP" altLang="en-US" dirty="0"/>
+              <a:t>incident direction</a:t>
+            </a:r>
+            <a:endParaRPr lang="en-US" altLang="ja-JP" dirty="0"/>
+          </a:p>
+          <a:p>
+            <a:endParaRPr lang="en-US" altLang="ja-JP" dirty="0"/>
+          </a:p>
+          <a:p>
+            <a:r>
+              <a:rPr lang="ja-JP" altLang="en-US" dirty="0"/>
+              <a:t>For practical reasons, there is also space reserved for a flag with each set of photon data. The flag is used during sorting and look-up in the photon map. More on this in the following.) As</a:t>
+            </a:r>
+          </a:p>
+        </p:txBody>
+      </p:sp>
+    </p:spTree>
+    <p:extLst>
+      <p:ext uri="{BB962C8B-B14F-4D97-AF65-F5344CB8AC3E}">
+        <p14:creationId xmlns:p14="http://schemas.microsoft.com/office/powerpoint/2010/main" val="3231055538"/>
+      </p:ext>
+    </p:extLst>
+  </p:cSld>
+  <p:clrMapOvr>
+    <a:masterClrMapping/>
+  </p:clrMapOvr>
+</p:sld>
+</file>
+
+<file path=ppt/slides/slide5.xml><?xml version="1.0" encoding="utf-8"?>
+<p:sld xmlns:a="http://schemas.openxmlformats.org/drawingml/2006/main" xmlns:r="http://schemas.openxmlformats.org/officeDocument/2006/relationships" xmlns:p="http://schemas.openxmlformats.org/presentationml/2006/main">
+  <p:cSld>
+    <p:spTree>
+      <p:nvGrpSpPr>
+        <p:cNvPr id="1" name=""/>
+        <p:cNvGrpSpPr/>
+        <p:nvPr/>
+      </p:nvGrpSpPr>
+      <p:grpSpPr>
+        <a:xfrm>
+          <a:off x="0" y="0"/>
+          <a:ext cx="0" cy="0"/>
+          <a:chOff x="0" y="0"/>
+          <a:chExt cx="0" cy="0"/>
+        </a:xfrm>
+      </p:grpSpPr>
+      <p:sp>
+        <p:nvSpPr>
+          <p:cNvPr id="4" name="タイトル 3"/>
+          <p:cNvSpPr>
+            <a:spLocks noGrp="1"/>
+          </p:cNvSpPr>
+          <p:nvPr>
+            <p:ph type="title"/>
+          </p:nvPr>
+        </p:nvSpPr>
+        <p:spPr/>
+        <p:txBody>
+          <a:bodyPr/>
+          <a:lstStyle/>
+          <a:p>
+            <a:pPr>
+              <a:lnSpc>
+                <a:spcPct val="130000"/>
+              </a:lnSpc>
+              <a:spcAft>
+                <a:spcPts val="1477"/>
+              </a:spcAft>
+            </a:pPr>
+            <a:r>
+              <a:rPr lang="en-US" altLang="ja-JP" sz="1800" b="1" dirty="0">
+                <a:latin typeface="+mn-ea"/>
+              </a:rPr>
+              <a:t>Photon Maps</a:t>
+            </a:r>
+          </a:p>
+        </p:txBody>
+      </p:sp>
+      <p:sp>
+        <p:nvSpPr>
+          <p:cNvPr id="2" name="スライド番号プレースホルダー 1"/>
+          <p:cNvSpPr>
+            <a:spLocks noGrp="1"/>
+          </p:cNvSpPr>
+          <p:nvPr>
+            <p:ph type="sldNum" sz="quarter" idx="4"/>
+          </p:nvPr>
+        </p:nvSpPr>
+        <p:spPr/>
+        <p:txBody>
+          <a:bodyPr/>
+          <a:lstStyle/>
+          <a:p>
+            <a:fld id="{FB3508C7-2FE0-4945-9CBD-863E05F850D2}" type="slidenum">
+              <a:rPr lang="ja-JP" altLang="en-US" smtClean="0"/>
+              <a:pPr/>
+              <a:t>4</a:t>
             </a:fld>
             <a:endParaRPr lang="ja-JP" altLang="en-US" dirty="0"/>
           </a:p>
@@ -8264,7 +8917,7 @@
 </p:sld>
 </file>
 
-<file path=ppt/slides/slide5.xml><?xml version="1.0" encoding="utf-8"?>
+<file path=ppt/slides/slide6.xml><?xml version="1.0" encoding="utf-8"?>
 <p:sld xmlns:a="http://schemas.openxmlformats.org/drawingml/2006/main" xmlns:r="http://schemas.openxmlformats.org/officeDocument/2006/relationships" xmlns:p="http://schemas.openxmlformats.org/presentationml/2006/main">
   <p:cSld>
     <p:spTree>
@@ -8331,7 +8984,7 @@
             <a:fld id="{FB3508C7-2FE0-4945-9CBD-863E05F850D2}" type="slidenum">
               <a:rPr lang="ja-JP" altLang="en-US" smtClean="0"/>
               <a:pPr/>
-              <a:t>4</a:t>
+              <a:t>5</a:t>
             </a:fld>
             <a:endParaRPr lang="ja-JP" altLang="en-US" dirty="0"/>
           </a:p>
@@ -8526,7 +9179,7 @@
 </p:sld>
 </file>
 
-<file path=ppt/slides/slide6.xml><?xml version="1.0" encoding="utf-8"?>
+<file path=ppt/slides/slide7.xml><?xml version="1.0" encoding="utf-8"?>
 <p:sld xmlns:a="http://schemas.openxmlformats.org/drawingml/2006/main" xmlns:r="http://schemas.openxmlformats.org/officeDocument/2006/relationships" xmlns:p="http://schemas.openxmlformats.org/presentationml/2006/main">
   <p:cSld>
     <p:spTree>
@@ -8593,7 +9246,7 @@
             <a:fld id="{FB3508C7-2FE0-4945-9CBD-863E05F850D2}" type="slidenum">
               <a:rPr lang="ja-JP" altLang="en-US" smtClean="0"/>
               <a:pPr/>
-              <a:t>5</a:t>
+              <a:t>6</a:t>
             </a:fld>
             <a:endParaRPr lang="ja-JP" altLang="en-US" dirty="0"/>
           </a:p>
@@ -8845,7 +9498,7 @@
 </p:sld>
 </file>
 
-<file path=ppt/slides/slide7.xml><?xml version="1.0" encoding="utf-8"?>
+<file path=ppt/slides/slide8.xml><?xml version="1.0" encoding="utf-8"?>
 <p:sld xmlns:a="http://schemas.openxmlformats.org/drawingml/2006/main" xmlns:r="http://schemas.openxmlformats.org/officeDocument/2006/relationships" xmlns:p="http://schemas.openxmlformats.org/presentationml/2006/main">
   <p:cSld>
     <p:spTree>
@@ -8912,7 +9565,7 @@
             <a:fld id="{FB3508C7-2FE0-4945-9CBD-863E05F850D2}" type="slidenum">
               <a:rPr lang="ja-JP" altLang="en-US" smtClean="0"/>
               <a:pPr/>
-              <a:t>6</a:t>
+              <a:t>7</a:t>
             </a:fld>
             <a:endParaRPr lang="ja-JP" altLang="en-US" dirty="0"/>
           </a:p>
@@ -9107,7 +9760,7 @@
 </p:sld>
 </file>
 
-<file path=ppt/slides/slide8.xml><?xml version="1.0" encoding="utf-8"?>
+<file path=ppt/slides/slide9.xml><?xml version="1.0" encoding="utf-8"?>
 <p:sld xmlns:a="http://schemas.openxmlformats.org/drawingml/2006/main" xmlns:r="http://schemas.openxmlformats.org/officeDocument/2006/relationships" xmlns:p="http://schemas.openxmlformats.org/presentationml/2006/main">
   <p:cSld>
     <p:spTree>
@@ -9174,7 +9827,7 @@
             <a:fld id="{FB3508C7-2FE0-4945-9CBD-863E05F850D2}" type="slidenum">
               <a:rPr lang="ja-JP" altLang="en-US" smtClean="0"/>
               <a:pPr/>
-              <a:t>7</a:t>
+              <a:t>8</a:t>
             </a:fld>
             <a:endParaRPr lang="ja-JP" altLang="en-US" dirty="0"/>
           </a:p>
@@ -9456,204 +10109,6 @@
     <p:extLst>
       <p:ext uri="{BB962C8B-B14F-4D97-AF65-F5344CB8AC3E}">
         <p14:creationId xmlns:p14="http://schemas.microsoft.com/office/powerpoint/2010/main" val="2622717909"/>
-      </p:ext>
-    </p:extLst>
-  </p:cSld>
-  <p:clrMapOvr>
-    <a:masterClrMapping/>
-  </p:clrMapOvr>
-</p:sld>
-</file>
-
-<file path=ppt/slides/slide9.xml><?xml version="1.0" encoding="utf-8"?>
-<p:sld xmlns:a="http://schemas.openxmlformats.org/drawingml/2006/main" xmlns:r="http://schemas.openxmlformats.org/officeDocument/2006/relationships" xmlns:p="http://schemas.openxmlformats.org/presentationml/2006/main">
-  <p:cSld>
-    <p:spTree>
-      <p:nvGrpSpPr>
-        <p:cNvPr id="1" name=""/>
-        <p:cNvGrpSpPr/>
-        <p:nvPr/>
-      </p:nvGrpSpPr>
-      <p:grpSpPr>
-        <a:xfrm>
-          <a:off x="0" y="0"/>
-          <a:ext cx="0" cy="0"/>
-          <a:chOff x="0" y="0"/>
-          <a:chExt cx="0" cy="0"/>
-        </a:xfrm>
-      </p:grpSpPr>
-      <p:sp>
-        <p:nvSpPr>
-          <p:cNvPr id="4" name="タイトル 3"/>
-          <p:cNvSpPr>
-            <a:spLocks noGrp="1"/>
-          </p:cNvSpPr>
-          <p:nvPr>
-            <p:ph type="title"/>
-          </p:nvPr>
-        </p:nvSpPr>
-        <p:spPr/>
-        <p:txBody>
-          <a:bodyPr/>
-          <a:lstStyle/>
-          <a:p>
-            <a:pPr>
-              <a:lnSpc>
-                <a:spcPct val="130000"/>
-              </a:lnSpc>
-              <a:spcAft>
-                <a:spcPts val="1477"/>
-              </a:spcAft>
-            </a:pPr>
-            <a:r>
-              <a:rPr lang="en-US" altLang="ja-JP" sz="1800" b="1" dirty="0">
-                <a:latin typeface="+mn-ea"/>
-              </a:rPr>
-              <a:t>Photon Maps</a:t>
-            </a:r>
-          </a:p>
-        </p:txBody>
-      </p:sp>
-      <p:sp>
-        <p:nvSpPr>
-          <p:cNvPr id="2" name="スライド番号プレースホルダー 1"/>
-          <p:cNvSpPr>
-            <a:spLocks noGrp="1"/>
-          </p:cNvSpPr>
-          <p:nvPr>
-            <p:ph type="sldNum" sz="quarter" idx="4"/>
-          </p:nvPr>
-        </p:nvSpPr>
-        <p:spPr/>
-        <p:txBody>
-          <a:bodyPr/>
-          <a:lstStyle/>
-          <a:p>
-            <a:fld id="{FB3508C7-2FE0-4945-9CBD-863E05F850D2}" type="slidenum">
-              <a:rPr lang="ja-JP" altLang="en-US" smtClean="0"/>
-              <a:pPr/>
-              <a:t>8</a:t>
-            </a:fld>
-            <a:endParaRPr lang="ja-JP" altLang="en-US" dirty="0"/>
-          </a:p>
-        </p:txBody>
-      </p:sp>
-      <p:sp>
-        <p:nvSpPr>
-          <p:cNvPr id="15" name="AutoShape 3"/>
-          <p:cNvSpPr>
-            <a:spLocks noChangeArrowheads="1"/>
-          </p:cNvSpPr>
-          <p:nvPr/>
-        </p:nvSpPr>
-        <p:spPr bwMode="auto">
-          <a:xfrm>
-            <a:off x="997444" y="7183360"/>
-            <a:ext cx="10194186" cy="197105"/>
-          </a:xfrm>
-          <a:prstGeom prst="roundRect">
-            <a:avLst>
-              <a:gd name="adj" fmla="val 0"/>
-            </a:avLst>
-          </a:prstGeom>
-          <a:noFill/>
-          <a:ln>
-            <a:noFill/>
-          </a:ln>
-          <a:effectLst/>
-          <a:extLst>
-            <a:ext uri="{909E8E84-426E-40DD-AFC4-6F175D3DCCD1}">
-              <a14:hiddenFill xmlns:a14="http://schemas.microsoft.com/office/drawing/2010/main">
-                <a:solidFill>
-                  <a:schemeClr val="accent1"/>
-                </a:solidFill>
-              </a14:hiddenFill>
-            </a:ext>
-            <a:ext uri="{91240B29-F687-4F45-9708-019B960494DF}">
-              <a14:hiddenLine xmlns:a14="http://schemas.microsoft.com/office/drawing/2010/main" w="9525">
-                <a:solidFill>
-                  <a:schemeClr val="tx1"/>
-                </a:solidFill>
-                <a:round/>
-                <a:headEnd/>
-                <a:tailEnd/>
-              </a14:hiddenLine>
-            </a:ext>
-            <a:ext uri="{AF507438-7753-43E0-B8FC-AC1667EBCBE1}">
-              <a14:hiddenEffects xmlns:a14="http://schemas.microsoft.com/office/drawing/2010/main">
-                <a:effectLst>
-                  <a:outerShdw dist="35921" dir="2700000" algn="ctr" rotWithShape="0">
-                    <a:schemeClr val="bg2"/>
-                  </a:outerShdw>
-                </a:effectLst>
-              </a14:hiddenEffects>
-            </a:ext>
-          </a:extLst>
-        </p:spPr>
-        <p:txBody>
-          <a:bodyPr wrap="square" lIns="0" tIns="0" rIns="0" bIns="0" anchor="ctr" anchorCtr="0">
-            <a:spAutoFit/>
-          </a:bodyPr>
-          <a:lstStyle/>
-          <a:p>
-            <a:pPr algn="r">
-              <a:lnSpc>
-                <a:spcPct val="140000"/>
-              </a:lnSpc>
-              <a:spcBef>
-                <a:spcPct val="0"/>
-              </a:spcBef>
-            </a:pPr>
-            <a:r>
-              <a:rPr lang="ja-JP" altLang="en-US" sz="985" dirty="0">
-                <a:latin typeface="メイリオ" pitchFamily="50" charset="-128"/>
-                <a:ea typeface="メイリオ" pitchFamily="50" charset="-128"/>
-                <a:cs typeface="メイリオ" pitchFamily="50" charset="-128"/>
-              </a:rPr>
-              <a:t>　</a:t>
-            </a:r>
-            <a:endParaRPr lang="en-US" altLang="ja-JP" sz="985" dirty="0">
-              <a:latin typeface="メイリオ" pitchFamily="50" charset="-128"/>
-              <a:ea typeface="メイリオ" pitchFamily="50" charset="-128"/>
-              <a:cs typeface="メイリオ" pitchFamily="50" charset="-128"/>
-            </a:endParaRPr>
-          </a:p>
-        </p:txBody>
-      </p:sp>
-      <p:pic>
-        <p:nvPicPr>
-          <p:cNvPr id="7" name="図 6">
-            <a:extLst>
-              <a:ext uri="{FF2B5EF4-FFF2-40B4-BE49-F238E27FC236}">
-                <a16:creationId xmlns:a16="http://schemas.microsoft.com/office/drawing/2014/main" id="{AD7CC497-E400-4BD4-8780-846D697715F3}"/>
-              </a:ext>
-            </a:extLst>
-          </p:cNvPr>
-          <p:cNvPicPr>
-            <a:picLocks noChangeAspect="1"/>
-          </p:cNvPicPr>
-          <p:nvPr/>
-        </p:nvPicPr>
-        <p:blipFill>
-          <a:blip r:embed="rId2"/>
-          <a:stretch>
-            <a:fillRect/>
-          </a:stretch>
-        </p:blipFill>
-        <p:spPr>
-          <a:xfrm>
-            <a:off x="1595500" y="1760701"/>
-            <a:ext cx="8573696" cy="4210638"/>
-          </a:xfrm>
-          <a:prstGeom prst="rect">
-            <a:avLst/>
-          </a:prstGeom>
-        </p:spPr>
-      </p:pic>
-    </p:spTree>
-    <p:extLst>
-      <p:ext uri="{BB962C8B-B14F-4D97-AF65-F5344CB8AC3E}">
-        <p14:creationId xmlns:p14="http://schemas.microsoft.com/office/powerpoint/2010/main" val="238066587"/>
       </p:ext>
     </p:extLst>
   </p:cSld>
